--- a/项目答辩.pptx
+++ b/项目答辩.pptx
@@ -8,24 +8,23 @@
     <p:notesMasterId r:id="rId4"/>
   </p:notesMasterIdLst>
   <p:handoutMasterIdLst>
-    <p:handoutMasterId r:id="rId19"/>
+    <p:handoutMasterId r:id="rId18"/>
   </p:handoutMasterIdLst>
   <p:sldIdLst>
     <p:sldId id="256" r:id="rId3"/>
     <p:sldId id="284" r:id="rId5"/>
     <p:sldId id="285" r:id="rId6"/>
     <p:sldId id="260" r:id="rId7"/>
-    <p:sldId id="292" r:id="rId8"/>
-    <p:sldId id="293" r:id="rId9"/>
-    <p:sldId id="294" r:id="rId10"/>
-    <p:sldId id="295" r:id="rId11"/>
-    <p:sldId id="268" r:id="rId12"/>
+    <p:sldId id="268" r:id="rId8"/>
+    <p:sldId id="292" r:id="rId9"/>
+    <p:sldId id="293" r:id="rId10"/>
+    <p:sldId id="294" r:id="rId11"/>
+    <p:sldId id="295" r:id="rId12"/>
     <p:sldId id="296" r:id="rId13"/>
     <p:sldId id="297" r:id="rId14"/>
     <p:sldId id="298" r:id="rId15"/>
     <p:sldId id="299" r:id="rId16"/>
-    <p:sldId id="290" r:id="rId17"/>
-    <p:sldId id="288" r:id="rId18"/>
+    <p:sldId id="288" r:id="rId17"/>
   </p:sldIdLst>
   <p:sldSz cx="9144000" cy="5143500" type="screen16x9"/>
   <p:notesSz cx="6858000" cy="9144000"/>
@@ -5028,109 +5027,6 @@
 <file path=ppt/slides/slide14.xml><?xml version="1.0" encoding="utf-8"?>
 <p:sld xmlns:a="http://schemas.openxmlformats.org/drawingml/2006/main" xmlns:r="http://schemas.openxmlformats.org/officeDocument/2006/relationships" xmlns:p="http://schemas.openxmlformats.org/presentationml/2006/main">
   <p:cSld>
-    <p:spTree>
-      <p:nvGrpSpPr>
-        <p:cNvPr id="1" name=""/>
-        <p:cNvGrpSpPr/>
-        <p:nvPr/>
-      </p:nvGrpSpPr>
-      <p:grpSpPr/>
-      <p:sp>
-        <p:nvSpPr>
-          <p:cNvPr id="2" name="标题 1"/>
-          <p:cNvSpPr>
-            <a:spLocks noGrp="1"/>
-          </p:cNvSpPr>
-          <p:nvPr>
-            <p:ph type="title"/>
-          </p:nvPr>
-        </p:nvSpPr>
-        <p:spPr>
-          <a:xfrm>
-            <a:off x="979805" y="367030"/>
-            <a:ext cx="7486015" cy="601345"/>
-          </a:xfrm>
-        </p:spPr>
-        <p:txBody>
-          <a:bodyPr/>
-          <a:p>
-            <a:r>
-              <a:rPr lang="zh-CN" altLang="en-US"/>
-              <a:t>rsync+SSH</a:t>
-            </a:r>
-            <a:r>
-              <a:rPr lang="x-none" altLang="zh-CN"/>
-              <a:t>实时</a:t>
-            </a:r>
-            <a:r>
-              <a:rPr lang="zh-CN" altLang="en-US"/>
-              <a:t>同步</a:t>
-            </a:r>
-            <a:endParaRPr lang="zh-CN" altLang="en-US"/>
-          </a:p>
-        </p:txBody>
-      </p:sp>
-      <p:sp>
-        <p:nvSpPr>
-          <p:cNvPr id="3" name="内容占位符 2"/>
-          <p:cNvSpPr>
-            <a:spLocks noGrp="1"/>
-          </p:cNvSpPr>
-          <p:nvPr>
-            <p:ph idx="1"/>
-          </p:nvPr>
-        </p:nvSpPr>
-        <p:spPr/>
-        <p:txBody>
-          <a:bodyPr/>
-          <a:p>
-            <a:r>
-              <a:rPr lang="x-none" altLang="zh-CN"/>
-              <a:t>1.生成公钥 私钥,完成ssh无密码验证.</a:t>
-            </a:r>
-            <a:endParaRPr lang="x-none" altLang="zh-CN"/>
-          </a:p>
-          <a:p>
-            <a:r>
-              <a:rPr lang="x-none" altLang="zh-CN"/>
-              <a:t>2.源码安装inotify-tools,实现实时监控.</a:t>
-            </a:r>
-            <a:endParaRPr lang="x-none" altLang="zh-CN"/>
-          </a:p>
-          <a:p>
-            <a:r>
-              <a:rPr lang="x-none" altLang="zh-CN"/>
-              <a:t>3.熟练使用rsync同步操作.</a:t>
-            </a:r>
-            <a:endParaRPr lang="x-none" altLang="zh-CN"/>
-          </a:p>
-          <a:p>
-            <a:r>
-              <a:rPr lang="x-none" altLang="zh-CN"/>
-              <a:t>4.书写同步Shell脚本.</a:t>
-            </a:r>
-            <a:endParaRPr lang="x-none" altLang="zh-CN"/>
-          </a:p>
-          <a:p>
-            <a:r>
-              <a:rPr lang="x-none" altLang="zh-CN"/>
-              <a:t>5.把脚本部署到每台web服务器上.</a:t>
-            </a:r>
-            <a:endParaRPr lang="x-none" altLang="zh-CN"/>
-          </a:p>
-        </p:txBody>
-      </p:sp>
-    </p:spTree>
-  </p:cSld>
-  <p:clrMapOvr>
-    <a:masterClrMapping/>
-  </p:clrMapOvr>
-</p:sld>
-</file>
-
-<file path=ppt/slides/slide15.xml><?xml version="1.0" encoding="utf-8"?>
-<p:sld xmlns:a="http://schemas.openxmlformats.org/drawingml/2006/main" xmlns:r="http://schemas.openxmlformats.org/officeDocument/2006/relationships" xmlns:p="http://schemas.openxmlformats.org/presentationml/2006/main">
-  <p:cSld>
     <p:bg>
       <p:bgPr>
         <a:blipFill dpi="0" rotWithShape="1">
@@ -9317,491 +9213,6 @@
         <p:cNvGrpSpPr/>
         <p:nvPr/>
       </p:nvGrpSpPr>
-      <p:grpSpPr/>
-      <p:sp>
-        <p:nvSpPr>
-          <p:cNvPr id="2" name="标题 1"/>
-          <p:cNvSpPr>
-            <a:spLocks noGrp="1"/>
-          </p:cNvSpPr>
-          <p:nvPr>
-            <p:ph type="title"/>
-          </p:nvPr>
-        </p:nvSpPr>
-        <p:spPr/>
-        <p:txBody>
-          <a:bodyPr/>
-          <a:p>
-            <a:r>
-              <a:rPr lang="x-none" altLang="zh-CN"/>
-              <a:t> </a:t>
-            </a:r>
-            <a:br>
-              <a:rPr lang="x-none" altLang="zh-CN"/>
-            </a:br>
-            <a:r>
-              <a:rPr lang="x-none" altLang="zh-CN"/>
-              <a:t> 1.</a:t>
-            </a:r>
-            <a:r>
-              <a:rPr lang="en-US" altLang="zh-CN" kern="0" dirty="0">
-                <a:solidFill>
-                  <a:schemeClr val="tx1">
-                    <a:lumMod val="75000"/>
-                    <a:lumOff val="25000"/>
-                  </a:schemeClr>
-                </a:solidFill>
-                <a:cs typeface="+mn-ea"/>
-                <a:sym typeface="+mn-lt"/>
-              </a:rPr>
-              <a:t>自定义返回给客户端的404错误页面</a:t>
-            </a:r>
-            <a:endParaRPr lang="en-US" altLang="zh-CN" kern="0" dirty="0">
-              <a:solidFill>
-                <a:schemeClr val="tx1">
-                  <a:lumMod val="75000"/>
-                  <a:lumOff val="25000"/>
-                </a:schemeClr>
-              </a:solidFill>
-              <a:cs typeface="+mn-ea"/>
-              <a:sym typeface="+mn-lt"/>
-            </a:endParaRPr>
-          </a:p>
-          <a:p>
-            <a:endParaRPr lang="x-none" altLang="zh-CN"/>
-          </a:p>
-        </p:txBody>
-      </p:sp>
-      <p:pic>
-        <p:nvPicPr>
-          <p:cNvPr id="4" name="内容占位符 3" descr="2019-07-30 16-39-20屏幕截图"/>
-          <p:cNvPicPr>
-            <a:picLocks noChangeAspect="1"/>
-          </p:cNvPicPr>
-          <p:nvPr>
-            <p:ph idx="1"/>
-          </p:nvPr>
-        </p:nvPicPr>
-        <p:blipFill>
-          <a:blip r:embed="rId1"/>
-          <a:stretch>
-            <a:fillRect/>
-          </a:stretch>
-        </p:blipFill>
-        <p:spPr>
-          <a:xfrm>
-            <a:off x="1071880" y="1655445"/>
-            <a:ext cx="3705225" cy="2435860"/>
-          </a:xfrm>
-          <a:prstGeom prst="rect">
-            <a:avLst/>
-          </a:prstGeom>
-        </p:spPr>
-      </p:pic>
-      <p:pic>
-        <p:nvPicPr>
-          <p:cNvPr id="5" name="图片 4" descr="/home/student/图片/404改.png404改"/>
-          <p:cNvPicPr>
-            <a:picLocks noChangeAspect="1"/>
-          </p:cNvPicPr>
-          <p:nvPr/>
-        </p:nvPicPr>
-        <p:blipFill>
-          <a:blip r:embed="rId2"/>
-          <a:srcRect/>
-          <a:stretch>
-            <a:fillRect/>
-          </a:stretch>
-        </p:blipFill>
-        <p:spPr>
-          <a:xfrm>
-            <a:off x="5052695" y="1503680"/>
-            <a:ext cx="3836670" cy="2671445"/>
-          </a:xfrm>
-          <a:prstGeom prst="rect">
-            <a:avLst/>
-          </a:prstGeom>
-        </p:spPr>
-      </p:pic>
-    </p:spTree>
-  </p:cSld>
-  <p:clrMapOvr>
-    <a:masterClrMapping/>
-  </p:clrMapOvr>
-</p:sld>
-</file>
-
-<file path=ppt/slides/slide6.xml><?xml version="1.0" encoding="utf-8"?>
-<p:sld xmlns:a="http://schemas.openxmlformats.org/drawingml/2006/main" xmlns:r="http://schemas.openxmlformats.org/officeDocument/2006/relationships" xmlns:p="http://schemas.openxmlformats.org/presentationml/2006/main">
-  <p:cSld>
-    <p:spTree>
-      <p:nvGrpSpPr>
-        <p:cNvPr id="1" name=""/>
-        <p:cNvGrpSpPr/>
-        <p:nvPr/>
-      </p:nvGrpSpPr>
-      <p:grpSpPr/>
-      <p:sp>
-        <p:nvSpPr>
-          <p:cNvPr id="2" name="标题 1"/>
-          <p:cNvSpPr>
-            <a:spLocks noGrp="1"/>
-          </p:cNvSpPr>
-          <p:nvPr>
-            <p:ph type="title"/>
-          </p:nvPr>
-        </p:nvSpPr>
-        <p:spPr/>
-        <p:txBody>
-          <a:bodyPr/>
-          <a:p>
-            <a:r>
-              <a:rPr lang="x-none" altLang="zh-CN"/>
-              <a:t> 2.</a:t>
-            </a:r>
-            <a:r>
-              <a:rPr lang="zh-CN" altLang="en-US" kern="0" dirty="0">
-                <a:solidFill>
-                  <a:schemeClr val="tx1">
-                    <a:lumMod val="75000"/>
-                    <a:lumOff val="25000"/>
-                  </a:schemeClr>
-                </a:solidFill>
-                <a:cs typeface="+mn-ea"/>
-                <a:sym typeface="+mn-lt"/>
-              </a:rPr>
-              <a:t>查看服务器状态信息</a:t>
-            </a:r>
-            <a:endParaRPr lang="x-none" altLang="zh-CN"/>
-          </a:p>
-        </p:txBody>
-      </p:sp>
-      <p:pic>
-        <p:nvPicPr>
-          <p:cNvPr id="4" name="内容占位符 3" descr="2019-07-30 16-51-10屏幕截图"/>
-          <p:cNvPicPr>
-            <a:picLocks noChangeAspect="1"/>
-          </p:cNvPicPr>
-          <p:nvPr>
-            <p:ph idx="1"/>
-          </p:nvPr>
-        </p:nvPicPr>
-        <p:blipFill>
-          <a:blip r:embed="rId1"/>
-          <a:stretch>
-            <a:fillRect/>
-          </a:stretch>
-        </p:blipFill>
-        <p:spPr>
-          <a:xfrm>
-            <a:off x="2064385" y="1421130"/>
-            <a:ext cx="5193030" cy="2819400"/>
-          </a:xfrm>
-          <a:prstGeom prst="rect">
-            <a:avLst/>
-          </a:prstGeom>
-        </p:spPr>
-      </p:pic>
-      <p:sp>
-        <p:nvSpPr>
-          <p:cNvPr id="5" name="文本框 4"/>
-          <p:cNvSpPr txBox="1"/>
-          <p:nvPr/>
-        </p:nvSpPr>
-        <p:spPr>
-          <a:xfrm>
-            <a:off x="2713355" y="4204970"/>
-            <a:ext cx="3380740" cy="304800"/>
-          </a:xfrm>
-          <a:prstGeom prst="rect">
-            <a:avLst/>
-          </a:prstGeom>
-          <a:noFill/>
-        </p:spPr>
-        <p:txBody>
-          <a:bodyPr wrap="none" rtlCol="0">
-            <a:spAutoFit/>
-          </a:bodyPr>
-          <a:p>
-            <a:pPr algn="l"/>
-            <a:r>
-              <a:rPr lang="x-none" altLang="zh-CN"/>
-              <a:t>     --with-http_stub_status_module  </a:t>
-            </a:r>
-            <a:endParaRPr lang="x-none" altLang="zh-CN"/>
-          </a:p>
-        </p:txBody>
-      </p:sp>
-    </p:spTree>
-  </p:cSld>
-  <p:clrMapOvr>
-    <a:masterClrMapping/>
-  </p:clrMapOvr>
-</p:sld>
-</file>
-
-<file path=ppt/slides/slide7.xml><?xml version="1.0" encoding="utf-8"?>
-<p:sld xmlns:a="http://schemas.openxmlformats.org/drawingml/2006/main" xmlns:r="http://schemas.openxmlformats.org/officeDocument/2006/relationships" xmlns:p="http://schemas.openxmlformats.org/presentationml/2006/main">
-  <p:cSld>
-    <p:spTree>
-      <p:nvGrpSpPr>
-        <p:cNvPr id="1" name=""/>
-        <p:cNvGrpSpPr/>
-        <p:nvPr/>
-      </p:nvGrpSpPr>
-      <p:grpSpPr/>
-      <p:sp>
-        <p:nvSpPr>
-          <p:cNvPr id="2" name="标题 1"/>
-          <p:cNvSpPr>
-            <a:spLocks noGrp="1"/>
-          </p:cNvSpPr>
-          <p:nvPr>
-            <p:ph type="title"/>
-          </p:nvPr>
-        </p:nvSpPr>
-        <p:spPr/>
-        <p:txBody>
-          <a:bodyPr/>
-          <a:p>
-            <a:r>
-              <a:rPr lang="x-none" altLang="zh-CN"/>
-              <a:t>3.</a:t>
-            </a:r>
-            <a:r>
-              <a:rPr lang="zh-CN" altLang="en-US" kern="0" dirty="0">
-                <a:solidFill>
-                  <a:schemeClr val="tx1">
-                    <a:lumMod val="75000"/>
-                    <a:lumOff val="25000"/>
-                  </a:schemeClr>
-                </a:solidFill>
-                <a:cs typeface="+mn-ea"/>
-                <a:sym typeface="+mn-lt"/>
-              </a:rPr>
-              <a:t>优化Nginx并发量</a:t>
-            </a:r>
-            <a:endParaRPr lang="x-none" altLang="zh-CN"/>
-          </a:p>
-        </p:txBody>
-      </p:sp>
-      <p:sp>
-        <p:nvSpPr>
-          <p:cNvPr id="3" name="内容占位符 2"/>
-          <p:cNvSpPr>
-            <a:spLocks noGrp="1"/>
-          </p:cNvSpPr>
-          <p:nvPr>
-            <p:ph idx="1"/>
-          </p:nvPr>
-        </p:nvSpPr>
-        <p:spPr>
-          <a:xfrm>
-            <a:off x="900430" y="1200150"/>
-            <a:ext cx="7786370" cy="2506980"/>
-          </a:xfrm>
-        </p:spPr>
-        <p:txBody>
-          <a:bodyPr/>
-          <a:p>
-            <a:pPr marL="635" indent="0">
-              <a:buNone/>
-            </a:pPr>
-            <a:endParaRPr lang="x-none" altLang="zh-CN"/>
-          </a:p>
-        </p:txBody>
-      </p:sp>
-      <p:sp>
-        <p:nvSpPr>
-          <p:cNvPr id="4" name="文本框 3"/>
-          <p:cNvSpPr txBox="1"/>
-          <p:nvPr/>
-        </p:nvSpPr>
-        <p:spPr>
-          <a:xfrm>
-            <a:off x="3266440" y="3959860"/>
-            <a:ext cx="153035" cy="304800"/>
-          </a:xfrm>
-          <a:prstGeom prst="rect">
-            <a:avLst/>
-          </a:prstGeom>
-          <a:noFill/>
-        </p:spPr>
-        <p:txBody>
-          <a:bodyPr wrap="square" rtlCol="0">
-            <a:spAutoFit/>
-          </a:bodyPr>
-          <a:p>
-            <a:r>
-              <a:rPr lang="x-none" altLang="zh-CN"/>
-              <a:t> </a:t>
-            </a:r>
-            <a:endParaRPr lang="x-none" altLang="zh-CN"/>
-          </a:p>
-        </p:txBody>
-      </p:sp>
-      <p:sp>
-        <p:nvSpPr>
-          <p:cNvPr id="5" name="文本框 4"/>
-          <p:cNvSpPr txBox="1"/>
-          <p:nvPr/>
-        </p:nvSpPr>
-        <p:spPr>
-          <a:xfrm>
-            <a:off x="2585720" y="3959860"/>
-            <a:ext cx="4385310" cy="518160"/>
-          </a:xfrm>
-          <a:prstGeom prst="rect">
-            <a:avLst/>
-          </a:prstGeom>
-          <a:noFill/>
-        </p:spPr>
-        <p:txBody>
-          <a:bodyPr wrap="none" rtlCol="0">
-            <a:spAutoFit/>
-          </a:bodyPr>
-          <a:p>
-            <a:pPr algn="l"/>
-            <a:r>
-              <a:rPr lang="x-none" altLang="zh-CN"/>
-              <a:t>  </a:t>
-            </a:r>
-            <a:r>
-              <a:rPr lang="zh-CN" altLang="en-US" kern="0" dirty="0">
-                <a:solidFill>
-                  <a:schemeClr val="tx1">
-                    <a:lumMod val="75000"/>
-                    <a:lumOff val="25000"/>
-                  </a:schemeClr>
-                </a:solidFill>
-                <a:cs typeface="+mn-ea"/>
-                <a:sym typeface="+mn-lt"/>
-              </a:rPr>
-              <a:t>修改配置文件，修改内核参数，设置内核的临时参数</a:t>
-            </a:r>
-            <a:endParaRPr lang="zh-CN" altLang="en-US" kern="0" dirty="0">
-              <a:solidFill>
-                <a:schemeClr val="tx1">
-                  <a:lumMod val="75000"/>
-                  <a:lumOff val="25000"/>
-                </a:schemeClr>
-              </a:solidFill>
-              <a:cs typeface="+mn-ea"/>
-              <a:sym typeface="+mn-lt"/>
-            </a:endParaRPr>
-          </a:p>
-          <a:p>
-            <a:pPr algn="l"/>
-            <a:r>
-              <a:rPr lang="x-none" altLang="zh-CN"/>
-              <a:t> </a:t>
-            </a:r>
-            <a:endParaRPr lang="x-none" altLang="zh-CN"/>
-          </a:p>
-        </p:txBody>
-      </p:sp>
-    </p:spTree>
-  </p:cSld>
-  <p:clrMapOvr>
-    <a:masterClrMapping/>
-  </p:clrMapOvr>
-</p:sld>
-</file>
-
-<file path=ppt/slides/slide8.xml><?xml version="1.0" encoding="utf-8"?>
-<p:sld xmlns:a="http://schemas.openxmlformats.org/drawingml/2006/main" xmlns:r="http://schemas.openxmlformats.org/officeDocument/2006/relationships" xmlns:p="http://schemas.openxmlformats.org/presentationml/2006/main">
-  <p:cSld>
-    <p:spTree>
-      <p:nvGrpSpPr>
-        <p:cNvPr id="1" name=""/>
-        <p:cNvGrpSpPr/>
-        <p:nvPr/>
-      </p:nvGrpSpPr>
-      <p:grpSpPr/>
-      <p:sp>
-        <p:nvSpPr>
-          <p:cNvPr id="2" name="标题 1"/>
-          <p:cNvSpPr>
-            <a:spLocks noGrp="1"/>
-          </p:cNvSpPr>
-          <p:nvPr>
-            <p:ph type="title"/>
-          </p:nvPr>
-        </p:nvSpPr>
-        <p:spPr/>
-        <p:txBody>
-          <a:bodyPr/>
-          <a:p>
-            <a:r>
-              <a:rPr lang="x-none" altLang="zh-CN"/>
-              <a:t>  4.</a:t>
-            </a:r>
-            <a:r>
-              <a:rPr lang="zh-CN" altLang="en-US" kern="0" dirty="0">
-                <a:solidFill>
-                  <a:schemeClr val="tx1">
-                    <a:lumMod val="75000"/>
-                    <a:lumOff val="25000"/>
-                  </a:schemeClr>
-                </a:solidFill>
-                <a:cs typeface="+mn-ea"/>
-                <a:sym typeface="+mn-lt"/>
-              </a:rPr>
-              <a:t>优化Nginx数据包头缓存</a:t>
-            </a:r>
-            <a:endParaRPr lang="zh-CN" altLang="en-US" kern="0" dirty="0">
-              <a:solidFill>
-                <a:schemeClr val="tx1">
-                  <a:lumMod val="75000"/>
-                  <a:lumOff val="25000"/>
-                </a:schemeClr>
-              </a:solidFill>
-              <a:cs typeface="+mn-ea"/>
-              <a:sym typeface="+mn-lt"/>
-            </a:endParaRPr>
-          </a:p>
-        </p:txBody>
-      </p:sp>
-      <p:sp>
-        <p:nvSpPr>
-          <p:cNvPr id="3" name="内容占位符 2"/>
-          <p:cNvSpPr>
-            <a:spLocks noGrp="1"/>
-          </p:cNvSpPr>
-          <p:nvPr>
-            <p:ph idx="1"/>
-          </p:nvPr>
-        </p:nvSpPr>
-        <p:spPr>
-          <a:xfrm>
-            <a:off x="900430" y="1658620"/>
-            <a:ext cx="7786370" cy="2804795"/>
-          </a:xfrm>
-        </p:spPr>
-        <p:txBody>
-          <a:bodyPr/>
-          <a:p>
-            <a:endParaRPr lang="x-none" altLang="zh-CN"/>
-          </a:p>
-        </p:txBody>
-      </p:sp>
-    </p:spTree>
-  </p:cSld>
-  <p:clrMapOvr>
-    <a:masterClrMapping/>
-  </p:clrMapOvr>
-</p:sld>
-</file>
-
-<file path=ppt/slides/slide9.xml><?xml version="1.0" encoding="utf-8"?>
-<p:sld xmlns:a="http://schemas.openxmlformats.org/drawingml/2006/main" xmlns:r="http://schemas.openxmlformats.org/officeDocument/2006/relationships" xmlns:p="http://schemas.openxmlformats.org/presentationml/2006/main">
-  <p:cSld>
-    <p:spTree>
-      <p:nvGrpSpPr>
-        <p:cNvPr id="1" name=""/>
-        <p:cNvGrpSpPr/>
-        <p:nvPr/>
-      </p:nvGrpSpPr>
       <p:grpSpPr>
         <a:xfrm>
           <a:off x="0" y="0"/>
@@ -9936,6 +9347,18 @@
           </a:lstStyle>
           <a:p>
             <a:r>
+              <a:rPr lang="x-none" altLang="en-US" sz="1400" b="1" dirty="0">
+                <a:solidFill>
+                  <a:srgbClr val="1B4367"/>
+                </a:solidFill>
+                <a:latin typeface="+mn-lt"/>
+                <a:ea typeface="+mn-ea"/>
+                <a:cs typeface="+mn-ea"/>
+                <a:sym typeface="+mn-lt"/>
+              </a:rPr>
+              <a:t>4.</a:t>
+            </a:r>
+            <a:r>
               <a:rPr lang="en-US" altLang="zh-CN" sz="1400" b="1" dirty="0">
                 <a:solidFill>
                   <a:srgbClr val="1B4367"/>
@@ -10267,6 +9690,18 @@
             </a:lvl9pPr>
           </a:lstStyle>
           <a:p>
+            <a:r>
+              <a:rPr lang="x-none" altLang="en-US" sz="1400" b="1" dirty="0">
+                <a:solidFill>
+                  <a:srgbClr val="1B4367"/>
+                </a:solidFill>
+                <a:latin typeface="+mn-lt"/>
+                <a:ea typeface="+mn-ea"/>
+                <a:cs typeface="+mn-ea"/>
+                <a:sym typeface="+mn-lt"/>
+              </a:rPr>
+              <a:t>6.</a:t>
+            </a:r>
             <a:r>
               <a:rPr lang="en-US" altLang="zh-CN" sz="1400" b="1" dirty="0">
                 <a:solidFill>
@@ -11082,6 +10517,18 @@
             </a:lvl9pPr>
           </a:lstStyle>
           <a:p>
+            <a:r>
+              <a:rPr lang="x-none" altLang="en-US" sz="1400" b="1" dirty="0">
+                <a:solidFill>
+                  <a:srgbClr val="1B4367"/>
+                </a:solidFill>
+                <a:latin typeface="+mn-lt"/>
+                <a:ea typeface="+mn-ea"/>
+                <a:cs typeface="+mn-ea"/>
+                <a:sym typeface="+mn-lt"/>
+              </a:rPr>
+              <a:t>5.</a:t>
+            </a:r>
             <a:r>
               <a:rPr lang="en-US" altLang="zh-CN" sz="1400" b="1" dirty="0">
                 <a:solidFill>
@@ -12202,7 +11649,7 @@
                 <a:cs typeface="+mn-ea"/>
                 <a:sym typeface="+mn-lt"/>
               </a:rPr>
-              <a:t>服务器内存缓存</a:t>
+              <a:t>7.服务器内存缓存</a:t>
             </a:r>
             <a:endParaRPr lang="x-none" altLang="en-US" sz="1400" b="1" dirty="0">
               <a:solidFill>
@@ -13677,6 +13124,494 @@
       <p:bldP spid="5" grpId="0"/>
     </p:bldLst>
   </p:timing>
+</p:sld>
+</file>
+
+<file path=ppt/slides/slide6.xml><?xml version="1.0" encoding="utf-8"?>
+<p:sld xmlns:a="http://schemas.openxmlformats.org/drawingml/2006/main" xmlns:r="http://schemas.openxmlformats.org/officeDocument/2006/relationships" xmlns:p="http://schemas.openxmlformats.org/presentationml/2006/main">
+  <p:cSld>
+    <p:spTree>
+      <p:nvGrpSpPr>
+        <p:cNvPr id="1" name=""/>
+        <p:cNvGrpSpPr/>
+        <p:nvPr/>
+      </p:nvGrpSpPr>
+      <p:grpSpPr/>
+      <p:sp>
+        <p:nvSpPr>
+          <p:cNvPr id="2" name="标题 1"/>
+          <p:cNvSpPr>
+            <a:spLocks noGrp="1"/>
+          </p:cNvSpPr>
+          <p:nvPr>
+            <p:ph type="title"/>
+          </p:nvPr>
+        </p:nvSpPr>
+        <p:spPr/>
+        <p:txBody>
+          <a:bodyPr/>
+          <a:p>
+            <a:r>
+              <a:rPr lang="x-none" altLang="zh-CN"/>
+              <a:t> </a:t>
+            </a:r>
+            <a:br>
+              <a:rPr lang="x-none" altLang="zh-CN"/>
+            </a:br>
+            <a:r>
+              <a:rPr lang="x-none" altLang="zh-CN"/>
+              <a:t> 1.</a:t>
+            </a:r>
+            <a:r>
+              <a:rPr lang="en-US" altLang="zh-CN" kern="0" dirty="0">
+                <a:solidFill>
+                  <a:schemeClr val="tx1">
+                    <a:lumMod val="75000"/>
+                    <a:lumOff val="25000"/>
+                  </a:schemeClr>
+                </a:solidFill>
+                <a:cs typeface="+mn-ea"/>
+                <a:sym typeface="+mn-lt"/>
+              </a:rPr>
+              <a:t>自定义返回给客户端的404错误页面</a:t>
+            </a:r>
+            <a:endParaRPr lang="en-US" altLang="zh-CN" kern="0" dirty="0">
+              <a:solidFill>
+                <a:schemeClr val="tx1">
+                  <a:lumMod val="75000"/>
+                  <a:lumOff val="25000"/>
+                </a:schemeClr>
+              </a:solidFill>
+              <a:cs typeface="+mn-ea"/>
+              <a:sym typeface="+mn-lt"/>
+            </a:endParaRPr>
+          </a:p>
+          <a:p>
+            <a:endParaRPr lang="x-none" altLang="zh-CN"/>
+          </a:p>
+        </p:txBody>
+      </p:sp>
+      <p:pic>
+        <p:nvPicPr>
+          <p:cNvPr id="4" name="内容占位符 3" descr="2019-07-30 16-39-20屏幕截图"/>
+          <p:cNvPicPr>
+            <a:picLocks noChangeAspect="1"/>
+          </p:cNvPicPr>
+          <p:nvPr>
+            <p:ph idx="1"/>
+          </p:nvPr>
+        </p:nvPicPr>
+        <p:blipFill>
+          <a:blip r:embed="rId1"/>
+          <a:stretch>
+            <a:fillRect/>
+          </a:stretch>
+        </p:blipFill>
+        <p:spPr>
+          <a:xfrm>
+            <a:off x="1071880" y="1655445"/>
+            <a:ext cx="3705225" cy="2435860"/>
+          </a:xfrm>
+          <a:prstGeom prst="rect">
+            <a:avLst/>
+          </a:prstGeom>
+        </p:spPr>
+      </p:pic>
+      <p:pic>
+        <p:nvPicPr>
+          <p:cNvPr id="5" name="图片 4" descr="/home/student/图片/404改.png404改"/>
+          <p:cNvPicPr>
+            <a:picLocks noChangeAspect="1"/>
+          </p:cNvPicPr>
+          <p:nvPr/>
+        </p:nvPicPr>
+        <p:blipFill>
+          <a:blip r:embed="rId2"/>
+          <a:srcRect/>
+          <a:stretch>
+            <a:fillRect/>
+          </a:stretch>
+        </p:blipFill>
+        <p:spPr>
+          <a:xfrm>
+            <a:off x="5052695" y="1503680"/>
+            <a:ext cx="3836670" cy="2671445"/>
+          </a:xfrm>
+          <a:prstGeom prst="rect">
+            <a:avLst/>
+          </a:prstGeom>
+        </p:spPr>
+      </p:pic>
+    </p:spTree>
+  </p:cSld>
+  <p:clrMapOvr>
+    <a:masterClrMapping/>
+  </p:clrMapOvr>
+</p:sld>
+</file>
+
+<file path=ppt/slides/slide7.xml><?xml version="1.0" encoding="utf-8"?>
+<p:sld xmlns:a="http://schemas.openxmlformats.org/drawingml/2006/main" xmlns:r="http://schemas.openxmlformats.org/officeDocument/2006/relationships" xmlns:p="http://schemas.openxmlformats.org/presentationml/2006/main">
+  <p:cSld>
+    <p:spTree>
+      <p:nvGrpSpPr>
+        <p:cNvPr id="1" name=""/>
+        <p:cNvGrpSpPr/>
+        <p:nvPr/>
+      </p:nvGrpSpPr>
+      <p:grpSpPr/>
+      <p:sp>
+        <p:nvSpPr>
+          <p:cNvPr id="2" name="标题 1"/>
+          <p:cNvSpPr>
+            <a:spLocks noGrp="1"/>
+          </p:cNvSpPr>
+          <p:nvPr>
+            <p:ph type="title"/>
+          </p:nvPr>
+        </p:nvSpPr>
+        <p:spPr/>
+        <p:txBody>
+          <a:bodyPr/>
+          <a:p>
+            <a:r>
+              <a:rPr lang="x-none" altLang="zh-CN"/>
+              <a:t> 2.</a:t>
+            </a:r>
+            <a:r>
+              <a:rPr lang="zh-CN" altLang="en-US" kern="0" dirty="0">
+                <a:solidFill>
+                  <a:schemeClr val="tx1">
+                    <a:lumMod val="75000"/>
+                    <a:lumOff val="25000"/>
+                  </a:schemeClr>
+                </a:solidFill>
+                <a:cs typeface="+mn-ea"/>
+                <a:sym typeface="+mn-lt"/>
+              </a:rPr>
+              <a:t>查看服务器状态信息</a:t>
+            </a:r>
+            <a:endParaRPr lang="x-none" altLang="zh-CN"/>
+          </a:p>
+        </p:txBody>
+      </p:sp>
+      <p:pic>
+        <p:nvPicPr>
+          <p:cNvPr id="4" name="内容占位符 3" descr="2019-07-30 16-51-10屏幕截图"/>
+          <p:cNvPicPr>
+            <a:picLocks noChangeAspect="1"/>
+          </p:cNvPicPr>
+          <p:nvPr>
+            <p:ph idx="1"/>
+          </p:nvPr>
+        </p:nvPicPr>
+        <p:blipFill>
+          <a:blip r:embed="rId1"/>
+          <a:stretch>
+            <a:fillRect/>
+          </a:stretch>
+        </p:blipFill>
+        <p:spPr>
+          <a:xfrm>
+            <a:off x="2064385" y="1421130"/>
+            <a:ext cx="5193030" cy="2819400"/>
+          </a:xfrm>
+          <a:prstGeom prst="rect">
+            <a:avLst/>
+          </a:prstGeom>
+        </p:spPr>
+      </p:pic>
+      <p:sp>
+        <p:nvSpPr>
+          <p:cNvPr id="5" name="文本框 4"/>
+          <p:cNvSpPr txBox="1"/>
+          <p:nvPr/>
+        </p:nvSpPr>
+        <p:spPr>
+          <a:xfrm>
+            <a:off x="2713355" y="4204970"/>
+            <a:ext cx="3380740" cy="304800"/>
+          </a:xfrm>
+          <a:prstGeom prst="rect">
+            <a:avLst/>
+          </a:prstGeom>
+          <a:noFill/>
+        </p:spPr>
+        <p:txBody>
+          <a:bodyPr wrap="none" rtlCol="0">
+            <a:spAutoFit/>
+          </a:bodyPr>
+          <a:p>
+            <a:pPr algn="l"/>
+            <a:r>
+              <a:rPr lang="x-none" altLang="zh-CN"/>
+              <a:t>     --with-http_stub_status_module  </a:t>
+            </a:r>
+            <a:endParaRPr lang="x-none" altLang="zh-CN"/>
+          </a:p>
+        </p:txBody>
+      </p:sp>
+    </p:spTree>
+  </p:cSld>
+  <p:clrMapOvr>
+    <a:masterClrMapping/>
+  </p:clrMapOvr>
+</p:sld>
+</file>
+
+<file path=ppt/slides/slide8.xml><?xml version="1.0" encoding="utf-8"?>
+<p:sld xmlns:a="http://schemas.openxmlformats.org/drawingml/2006/main" xmlns:r="http://schemas.openxmlformats.org/officeDocument/2006/relationships" xmlns:p="http://schemas.openxmlformats.org/presentationml/2006/main">
+  <p:cSld>
+    <p:spTree>
+      <p:nvGrpSpPr>
+        <p:cNvPr id="1" name=""/>
+        <p:cNvGrpSpPr/>
+        <p:nvPr/>
+      </p:nvGrpSpPr>
+      <p:grpSpPr/>
+      <p:sp>
+        <p:nvSpPr>
+          <p:cNvPr id="2" name="标题 1"/>
+          <p:cNvSpPr>
+            <a:spLocks noGrp="1"/>
+          </p:cNvSpPr>
+          <p:nvPr>
+            <p:ph type="title"/>
+          </p:nvPr>
+        </p:nvSpPr>
+        <p:spPr/>
+        <p:txBody>
+          <a:bodyPr/>
+          <a:p>
+            <a:r>
+              <a:rPr lang="x-none" altLang="zh-CN"/>
+              <a:t>3.</a:t>
+            </a:r>
+            <a:r>
+              <a:rPr lang="zh-CN" altLang="en-US" kern="0" dirty="0">
+                <a:solidFill>
+                  <a:schemeClr val="tx1">
+                    <a:lumMod val="75000"/>
+                    <a:lumOff val="25000"/>
+                  </a:schemeClr>
+                </a:solidFill>
+                <a:cs typeface="+mn-ea"/>
+                <a:sym typeface="+mn-lt"/>
+              </a:rPr>
+              <a:t>优化Nginx并发量</a:t>
+            </a:r>
+            <a:endParaRPr lang="x-none" altLang="zh-CN"/>
+          </a:p>
+        </p:txBody>
+      </p:sp>
+      <p:sp>
+        <p:nvSpPr>
+          <p:cNvPr id="3" name="内容占位符 2"/>
+          <p:cNvSpPr>
+            <a:spLocks noGrp="1"/>
+          </p:cNvSpPr>
+          <p:nvPr>
+            <p:ph idx="1"/>
+          </p:nvPr>
+        </p:nvSpPr>
+        <p:spPr>
+          <a:xfrm>
+            <a:off x="900430" y="1200150"/>
+            <a:ext cx="7786370" cy="2506980"/>
+          </a:xfrm>
+        </p:spPr>
+        <p:txBody>
+          <a:bodyPr/>
+          <a:p>
+            <a:pPr marL="635" indent="0">
+              <a:buNone/>
+            </a:pPr>
+            <a:endParaRPr lang="x-none" altLang="zh-CN"/>
+          </a:p>
+        </p:txBody>
+      </p:sp>
+      <p:sp>
+        <p:nvSpPr>
+          <p:cNvPr id="4" name="文本框 3"/>
+          <p:cNvSpPr txBox="1"/>
+          <p:nvPr/>
+        </p:nvSpPr>
+        <p:spPr>
+          <a:xfrm>
+            <a:off x="3266440" y="3959860"/>
+            <a:ext cx="153035" cy="304800"/>
+          </a:xfrm>
+          <a:prstGeom prst="rect">
+            <a:avLst/>
+          </a:prstGeom>
+          <a:noFill/>
+        </p:spPr>
+        <p:txBody>
+          <a:bodyPr wrap="square" rtlCol="0">
+            <a:spAutoFit/>
+          </a:bodyPr>
+          <a:p>
+            <a:r>
+              <a:rPr lang="x-none" altLang="zh-CN"/>
+              <a:t> </a:t>
+            </a:r>
+            <a:endParaRPr lang="x-none" altLang="zh-CN"/>
+          </a:p>
+        </p:txBody>
+      </p:sp>
+      <p:sp>
+        <p:nvSpPr>
+          <p:cNvPr id="5" name="文本框 4"/>
+          <p:cNvSpPr txBox="1"/>
+          <p:nvPr/>
+        </p:nvSpPr>
+        <p:spPr>
+          <a:xfrm>
+            <a:off x="2585720" y="3959860"/>
+            <a:ext cx="4385310" cy="518160"/>
+          </a:xfrm>
+          <a:prstGeom prst="rect">
+            <a:avLst/>
+          </a:prstGeom>
+          <a:noFill/>
+        </p:spPr>
+        <p:txBody>
+          <a:bodyPr wrap="none" rtlCol="0">
+            <a:spAutoFit/>
+          </a:bodyPr>
+          <a:p>
+            <a:pPr algn="l"/>
+            <a:r>
+              <a:rPr lang="x-none" altLang="zh-CN"/>
+              <a:t>  </a:t>
+            </a:r>
+            <a:r>
+              <a:rPr lang="zh-CN" altLang="en-US" kern="0" dirty="0">
+                <a:solidFill>
+                  <a:schemeClr val="tx1">
+                    <a:lumMod val="75000"/>
+                    <a:lumOff val="25000"/>
+                  </a:schemeClr>
+                </a:solidFill>
+                <a:cs typeface="+mn-ea"/>
+                <a:sym typeface="+mn-lt"/>
+              </a:rPr>
+              <a:t>修改配置文件，修改内核参数，设置内核的临时参数</a:t>
+            </a:r>
+            <a:endParaRPr lang="zh-CN" altLang="en-US" kern="0" dirty="0">
+              <a:solidFill>
+                <a:schemeClr val="tx1">
+                  <a:lumMod val="75000"/>
+                  <a:lumOff val="25000"/>
+                </a:schemeClr>
+              </a:solidFill>
+              <a:cs typeface="+mn-ea"/>
+              <a:sym typeface="+mn-lt"/>
+            </a:endParaRPr>
+          </a:p>
+          <a:p>
+            <a:pPr algn="l"/>
+            <a:r>
+              <a:rPr lang="x-none" altLang="zh-CN"/>
+              <a:t> </a:t>
+            </a:r>
+            <a:endParaRPr lang="x-none" altLang="zh-CN"/>
+          </a:p>
+        </p:txBody>
+      </p:sp>
+    </p:spTree>
+  </p:cSld>
+  <p:clrMapOvr>
+    <a:masterClrMapping/>
+  </p:clrMapOvr>
+</p:sld>
+</file>
+
+<file path=ppt/slides/slide9.xml><?xml version="1.0" encoding="utf-8"?>
+<p:sld xmlns:a="http://schemas.openxmlformats.org/drawingml/2006/main" xmlns:r="http://schemas.openxmlformats.org/officeDocument/2006/relationships" xmlns:p="http://schemas.openxmlformats.org/presentationml/2006/main">
+  <p:cSld>
+    <p:spTree>
+      <p:nvGrpSpPr>
+        <p:cNvPr id="1" name=""/>
+        <p:cNvGrpSpPr/>
+        <p:nvPr/>
+      </p:nvGrpSpPr>
+      <p:grpSpPr/>
+      <p:sp>
+        <p:nvSpPr>
+          <p:cNvPr id="2" name="标题 1"/>
+          <p:cNvSpPr>
+            <a:spLocks noGrp="1"/>
+          </p:cNvSpPr>
+          <p:nvPr>
+            <p:ph type="title"/>
+          </p:nvPr>
+        </p:nvSpPr>
+        <p:spPr/>
+        <p:txBody>
+          <a:bodyPr/>
+          <a:p>
+            <a:r>
+              <a:rPr lang="x-none" altLang="zh-CN"/>
+              <a:t>  4.</a:t>
+            </a:r>
+            <a:r>
+              <a:rPr lang="zh-CN" altLang="en-US" kern="0" dirty="0">
+                <a:solidFill>
+                  <a:schemeClr val="tx1">
+                    <a:lumMod val="75000"/>
+                    <a:lumOff val="25000"/>
+                  </a:schemeClr>
+                </a:solidFill>
+                <a:cs typeface="+mn-ea"/>
+                <a:sym typeface="+mn-lt"/>
+              </a:rPr>
+              <a:t>优化Nginx数据包头缓存</a:t>
+            </a:r>
+            <a:endParaRPr lang="zh-CN" altLang="en-US" kern="0" dirty="0">
+              <a:solidFill>
+                <a:schemeClr val="tx1">
+                  <a:lumMod val="75000"/>
+                  <a:lumOff val="25000"/>
+                </a:schemeClr>
+              </a:solidFill>
+              <a:cs typeface="+mn-ea"/>
+              <a:sym typeface="+mn-lt"/>
+            </a:endParaRPr>
+          </a:p>
+        </p:txBody>
+      </p:sp>
+      <p:pic>
+        <p:nvPicPr>
+          <p:cNvPr id="4" name="内容占位符 3" descr="包头"/>
+          <p:cNvPicPr>
+            <a:picLocks noChangeAspect="1"/>
+          </p:cNvPicPr>
+          <p:nvPr>
+            <p:ph idx="1"/>
+          </p:nvPr>
+        </p:nvPicPr>
+        <p:blipFill>
+          <a:blip r:embed="rId1"/>
+          <a:stretch>
+            <a:fillRect/>
+          </a:stretch>
+        </p:blipFill>
+        <p:spPr>
+          <a:xfrm>
+            <a:off x="2551430" y="1307465"/>
+            <a:ext cx="4466590" cy="2804795"/>
+          </a:xfrm>
+          <a:prstGeom prst="rect">
+            <a:avLst/>
+          </a:prstGeom>
+        </p:spPr>
+      </p:pic>
+    </p:spTree>
+  </p:cSld>
+  <p:clrMapOvr>
+    <a:masterClrMapping/>
+  </p:clrMapOvr>
 </p:sld>
 </file>
 
